--- a/Topic B Programming Introduction/Notes For Assignment 3.pptx
+++ b/Topic B Programming Introduction/Notes For Assignment 3.pptx
@@ -111,6 +111,11 @@
       </a:defRPr>
     </a:lvl9pPr>
   </p:defaultTextStyle>
+  <p:extLst>
+    <p:ext uri="{EFAFB233-063F-42B5-8137-9DF3F51BA10A}">
+      <p15:sldGuideLst xmlns:p15="http://schemas.microsoft.com/office/powerpoint/2012/main"/>
+    </p:ext>
+  </p:extLst>
 </p:presentation>
 </file>
 
@@ -2988,7 +2993,11 @@
           <a:bodyPr/>
           <a:lstStyle/>
           <a:p>
-            <a:endParaRPr lang="en-US"/>
+            <a:r>
+              <a:rPr lang="en-CA" dirty="0" smtClean="0"/>
+              <a:t>Programming Assignment #3</a:t>
+            </a:r>
+            <a:endParaRPr lang="en-US" dirty="0"/>
           </a:p>
         </p:txBody>
       </p:sp>
@@ -3007,7 +3016,11 @@
           <a:bodyPr/>
           <a:lstStyle/>
           <a:p>
-            <a:endParaRPr lang="en-US"/>
+            <a:r>
+              <a:rPr lang="en-CA" dirty="0" smtClean="0"/>
+              <a:t>Notes / Background</a:t>
+            </a:r>
+            <a:endParaRPr lang="en-US" dirty="0"/>
           </a:p>
         </p:txBody>
       </p:sp>
@@ -3021,6 +3034,13 @@
   <p:clrMapOvr>
     <a:masterClrMapping/>
   </p:clrMapOvr>
+  <p:timing>
+    <p:tnLst>
+      <p:par>
+        <p:cTn id="1" dur="indefinite" restart="never" nodeType="tmRoot"/>
+      </p:par>
+    </p:tnLst>
+  </p:timing>
 </p:sld>
 </file>
 
@@ -3115,6 +3135,13 @@
   <p:clrMapOvr>
     <a:masterClrMapping/>
   </p:clrMapOvr>
+  <p:timing>
+    <p:tnLst>
+      <p:par>
+        <p:cTn id="1" dur="indefinite" restart="never" nodeType="tmRoot"/>
+      </p:par>
+    </p:tnLst>
+  </p:timing>
 </p:sld>
 </file>
 
@@ -3216,7 +3243,6 @@
               <a:rPr lang="en-US" sz="2400" dirty="0"/>
               <a:t>is just as easy, by using an offset of -1.</a:t>
             </a:r>
-            <a:endParaRPr lang="en-US" sz="2400" dirty="0"/>
           </a:p>
         </p:txBody>
       </p:sp>
@@ -3254,6 +3280,13 @@
   <p:clrMapOvr>
     <a:masterClrMapping/>
   </p:clrMapOvr>
+  <p:timing>
+    <p:tnLst>
+      <p:par>
+        <p:cTn id="1" dur="indefinite" restart="never" nodeType="tmRoot"/>
+      </p:par>
+    </p:tnLst>
+  </p:timing>
 </p:sld>
 </file>
 
@@ -3331,6 +3364,13 @@
   <p:clrMapOvr>
     <a:masterClrMapping/>
   </p:clrMapOvr>
+  <p:timing>
+    <p:tnLst>
+      <p:par>
+        <p:cTn id="1" dur="indefinite" restart="never" nodeType="tmRoot"/>
+      </p:par>
+    </p:tnLst>
+  </p:timing>
 </p:sld>
 </file>
 
@@ -3459,6 +3499,13 @@
   <p:clrMapOvr>
     <a:masterClrMapping/>
   </p:clrMapOvr>
+  <p:timing>
+    <p:tnLst>
+      <p:par>
+        <p:cTn id="1" dur="indefinite" restart="never" nodeType="tmRoot"/>
+      </p:par>
+    </p:tnLst>
+  </p:timing>
 </p:sld>
 </file>
 
@@ -3756,6 +3803,13 @@
   <p:clrMapOvr>
     <a:masterClrMapping/>
   </p:clrMapOvr>
+  <p:timing>
+    <p:tnLst>
+      <p:par>
+        <p:cTn id="1" dur="indefinite" restart="never" nodeType="tmRoot"/>
+      </p:par>
+    </p:tnLst>
+  </p:timing>
 </p:sld>
 </file>
 
@@ -3894,6 +3948,13 @@
   <p:clrMapOvr>
     <a:masterClrMapping/>
   </p:clrMapOvr>
+  <p:timing>
+    <p:tnLst>
+      <p:par>
+        <p:cTn id="1" dur="indefinite" restart="never" nodeType="tmRoot"/>
+      </p:par>
+    </p:tnLst>
+  </p:timing>
 </p:sld>
 </file>
 
@@ -3999,7 +4060,6 @@
               <a:rPr lang="en-US" dirty="0"/>
               <a:t>Implement your key using the list data type. </a:t>
             </a:r>
-            <a:endParaRPr lang="en-US" dirty="0"/>
           </a:p>
         </p:txBody>
       </p:sp>
@@ -4013,6 +4073,13 @@
   <p:clrMapOvr>
     <a:masterClrMapping/>
   </p:clrMapOvr>
+  <p:timing>
+    <p:tnLst>
+      <p:par>
+        <p:cTn id="1" dur="indefinite" restart="never" nodeType="tmRoot"/>
+      </p:par>
+    </p:tnLst>
+  </p:timing>
 </p:sld>
 </file>
 
